--- a/Riak_BGD.pptx
+++ b/Riak_BGD.pptx
@@ -12,8 +12,11 @@
     <p:sldId id="268" r:id="rId9"/>
     <p:sldId id="271" r:id="rId10"/>
     <p:sldId id="272" r:id="rId11"/>
-    <p:sldId id="273" r:id="rId12"/>
-    <p:sldId id="265" r:id="rId13"/>
+    <p:sldId id="275" r:id="rId12"/>
+    <p:sldId id="274" r:id="rId13"/>
+    <p:sldId id="273" r:id="rId14"/>
+    <p:sldId id="276" r:id="rId15"/>
+    <p:sldId id="265" r:id="rId16"/>
   </p:sldIdLst>
   <p:sldSz cx="9144000" cy="6858000" type="screen4x3"/>
   <p:notesSz cx="6858000" cy="9144000"/>
@@ -3253,6 +3256,516 @@
 </p:sld>
 </file>
 
+<file path=ppt/slides/slide10.xml><?xml version="1.0" encoding="utf-8"?>
+<p:sld xmlns:a="http://schemas.openxmlformats.org/drawingml/2006/main" xmlns:r="http://schemas.openxmlformats.org/officeDocument/2006/relationships" xmlns:p="http://schemas.openxmlformats.org/presentationml/2006/main">
+  <p:cSld>
+    <p:spTree>
+      <p:nvGrpSpPr>
+        <p:cNvPr id="1" name=""/>
+        <p:cNvGrpSpPr/>
+        <p:nvPr/>
+      </p:nvGrpSpPr>
+      <p:grpSpPr>
+        <a:xfrm>
+          <a:off x="0" y="0"/>
+          <a:ext cx="0" cy="0"/>
+          <a:chOff x="0" y="0"/>
+          <a:chExt cx="0" cy="0"/>
+        </a:xfrm>
+      </p:grpSpPr>
+      <p:pic>
+        <p:nvPicPr>
+          <p:cNvPr id="2" name="Obraz 1"/>
+          <p:cNvPicPr>
+            <a:picLocks noChangeAspect="1"/>
+          </p:cNvPicPr>
+          <p:nvPr/>
+        </p:nvPicPr>
+        <p:blipFill>
+          <a:blip r:embed="rId2"/>
+          <a:stretch>
+            <a:fillRect/>
+          </a:stretch>
+        </p:blipFill>
+        <p:spPr>
+          <a:xfrm>
+            <a:off x="0" y="0"/>
+            <a:ext cx="9144000" cy="6873220"/>
+          </a:xfrm>
+          <a:prstGeom prst="rect">
+            <a:avLst/>
+          </a:prstGeom>
+        </p:spPr>
+      </p:pic>
+      <p:sp>
+        <p:nvSpPr>
+          <p:cNvPr id="8" name="Tytuł 4"/>
+          <p:cNvSpPr>
+            <a:spLocks noGrp="1"/>
+          </p:cNvSpPr>
+          <p:nvPr>
+            <p:ph type="title"/>
+          </p:nvPr>
+        </p:nvSpPr>
+        <p:spPr>
+          <a:xfrm>
+            <a:off x="457200" y="274638"/>
+            <a:ext cx="8229600" cy="1143000"/>
+          </a:xfrm>
+        </p:spPr>
+        <p:txBody>
+          <a:bodyPr/>
+          <a:lstStyle/>
+          <a:p>
+            <a:r>
+              <a:rPr lang="pl-PL" dirty="0"/>
+              <a:t>Wnioski</a:t>
+            </a:r>
+          </a:p>
+        </p:txBody>
+      </p:sp>
+      <p:sp>
+        <p:nvSpPr>
+          <p:cNvPr id="9" name="Symbol zastępczy zawartości 5"/>
+          <p:cNvSpPr>
+            <a:spLocks noGrp="1"/>
+          </p:cNvSpPr>
+          <p:nvPr>
+            <p:ph idx="1"/>
+          </p:nvPr>
+        </p:nvSpPr>
+        <p:spPr>
+          <a:xfrm>
+            <a:off x="457200" y="1417638"/>
+            <a:ext cx="8229600" cy="4675658"/>
+          </a:xfrm>
+        </p:spPr>
+        <p:txBody>
+          <a:bodyPr>
+            <a:normAutofit/>
+          </a:bodyPr>
+          <a:lstStyle/>
+          <a:p>
+            <a:r>
+              <a:rPr lang="pl-PL" sz="1600" dirty="0"/>
+              <a:t>Średnie miesięczne wydatki ogólne rosły w latach 2016-2019 natomiast w roku 2020 spadły. </a:t>
+            </a:r>
+          </a:p>
+          <a:p>
+            <a:r>
+              <a:rPr lang="pl-PL" sz="1600" dirty="0"/>
+              <a:t>Najwięcej pieniędzy w latach 2019-2020 roku wydali mieszkańcy województw odpowiednio:</a:t>
+            </a:r>
+          </a:p>
+          <a:p>
+            <a:pPr lvl="1"/>
+            <a:r>
+              <a:rPr lang="pl-PL" sz="1200" dirty="0"/>
+              <a:t>mazowieckiego(1443.01 zł/os), </a:t>
+            </a:r>
+          </a:p>
+          <a:p>
+            <a:pPr lvl="1"/>
+            <a:r>
+              <a:rPr lang="pl-PL" sz="1200" dirty="0"/>
+              <a:t>dolnośląskiego (1355.29 zł/os), </a:t>
+            </a:r>
+          </a:p>
+          <a:p>
+            <a:pPr lvl="1"/>
+            <a:r>
+              <a:rPr lang="pl-PL" sz="1200" dirty="0"/>
+              <a:t>pomorskiego (1328.72 zł/os), </a:t>
+            </a:r>
+          </a:p>
+          <a:p>
+            <a:pPr lvl="1"/>
+            <a:r>
+              <a:rPr lang="pl-PL" sz="1200" dirty="0"/>
+              <a:t>opolskiego (1287.33 zł/os),</a:t>
+            </a:r>
+          </a:p>
+          <a:p>
+            <a:pPr lvl="1"/>
+            <a:r>
+              <a:rPr lang="pl-PL" sz="1200" dirty="0"/>
+              <a:t>śląskiego (1270.85 zł/os). </a:t>
+            </a:r>
+          </a:p>
+          <a:p>
+            <a:r>
+              <a:rPr lang="pl-PL" sz="1600" dirty="0"/>
+              <a:t>Oczywistym wyjaśnieniem przyczyny spadku miesięcznych wydatków w 2020 roku jest wybuch w Polsce pandemii Covid-19 w marcu 2020 r.</a:t>
+            </a:r>
+          </a:p>
+          <a:p>
+            <a:r>
+              <a:rPr lang="pl-PL" sz="1600" dirty="0"/>
+              <a:t>Wydatki ponoszone na samą żywność rosły niemal każdego roku, we wszystkich województwach.</a:t>
+            </a:r>
+          </a:p>
+          <a:p>
+            <a:r>
+              <a:rPr lang="pl-PL" sz="1600" dirty="0"/>
+              <a:t>Najwięcej za artykuły spożywcze w 2020 zapłacili mieszkańcy województw: </a:t>
+            </a:r>
+          </a:p>
+          <a:p>
+            <a:pPr lvl="1"/>
+            <a:r>
+              <a:rPr lang="pl-PL" sz="1200" dirty="0"/>
+              <a:t>zachodniopomorskiego (363,35 zł/os), </a:t>
+            </a:r>
+          </a:p>
+          <a:p>
+            <a:pPr lvl="1"/>
+            <a:r>
+              <a:rPr lang="pl-PL" sz="1200" dirty="0"/>
+              <a:t>pomorskiego (363.11 zł/os), </a:t>
+            </a:r>
+          </a:p>
+          <a:p>
+            <a:pPr lvl="1"/>
+            <a:r>
+              <a:rPr lang="pl-PL" sz="1200" dirty="0"/>
+              <a:t>śląskiego (349.18 zł/os), </a:t>
+            </a:r>
+          </a:p>
+          <a:p>
+            <a:pPr lvl="1"/>
+            <a:r>
+              <a:rPr lang="pl-PL" sz="1200" dirty="0"/>
+              <a:t>mazowieckiego (349.01 zł/os), </a:t>
+            </a:r>
+          </a:p>
+          <a:p>
+            <a:pPr lvl="1"/>
+            <a:r>
+              <a:rPr lang="pl-PL" sz="1200" dirty="0"/>
+              <a:t>dolnośląskiego (346,25 zł/os). </a:t>
+            </a:r>
+          </a:p>
+          <a:p>
+            <a:r>
+              <a:rPr lang="pl-PL" sz="1600" dirty="0"/>
+              <a:t>Najmniej na jedzenie wydały osoby mieszkające na podkarpaciu (306.16 zł/os).</a:t>
+            </a:r>
+          </a:p>
+        </p:txBody>
+      </p:sp>
+    </p:spTree>
+    <p:extLst>
+      <p:ext uri="{BB962C8B-B14F-4D97-AF65-F5344CB8AC3E}">
+        <p14:creationId xmlns:p14="http://schemas.microsoft.com/office/powerpoint/2010/main" val="1745237146"/>
+      </p:ext>
+    </p:extLst>
+  </p:cSld>
+  <p:clrMapOvr>
+    <a:masterClrMapping/>
+  </p:clrMapOvr>
+</p:sld>
+</file>
+
+<file path=ppt/slides/slide11.xml><?xml version="1.0" encoding="utf-8"?>
+<p:sld xmlns:a="http://schemas.openxmlformats.org/drawingml/2006/main" xmlns:r="http://schemas.openxmlformats.org/officeDocument/2006/relationships" xmlns:p="http://schemas.openxmlformats.org/presentationml/2006/main">
+  <p:cSld>
+    <p:spTree>
+      <p:nvGrpSpPr>
+        <p:cNvPr id="1" name=""/>
+        <p:cNvGrpSpPr/>
+        <p:nvPr/>
+      </p:nvGrpSpPr>
+      <p:grpSpPr>
+        <a:xfrm>
+          <a:off x="0" y="0"/>
+          <a:ext cx="0" cy="0"/>
+          <a:chOff x="0" y="0"/>
+          <a:chExt cx="0" cy="0"/>
+        </a:xfrm>
+      </p:grpSpPr>
+      <p:pic>
+        <p:nvPicPr>
+          <p:cNvPr id="2" name="Obraz 1"/>
+          <p:cNvPicPr>
+            <a:picLocks noChangeAspect="1"/>
+          </p:cNvPicPr>
+          <p:nvPr/>
+        </p:nvPicPr>
+        <p:blipFill>
+          <a:blip r:embed="rId2"/>
+          <a:stretch>
+            <a:fillRect/>
+          </a:stretch>
+        </p:blipFill>
+        <p:spPr>
+          <a:xfrm>
+            <a:off x="0" y="0"/>
+            <a:ext cx="9144000" cy="6873220"/>
+          </a:xfrm>
+          <a:prstGeom prst="rect">
+            <a:avLst/>
+          </a:prstGeom>
+        </p:spPr>
+      </p:pic>
+      <p:sp>
+        <p:nvSpPr>
+          <p:cNvPr id="8" name="Tytuł 4"/>
+          <p:cNvSpPr>
+            <a:spLocks noGrp="1"/>
+          </p:cNvSpPr>
+          <p:nvPr>
+            <p:ph type="title"/>
+          </p:nvPr>
+        </p:nvSpPr>
+        <p:spPr>
+          <a:xfrm>
+            <a:off x="457200" y="274638"/>
+            <a:ext cx="8229600" cy="1143000"/>
+          </a:xfrm>
+        </p:spPr>
+        <p:txBody>
+          <a:bodyPr/>
+          <a:lstStyle/>
+          <a:p>
+            <a:r>
+              <a:rPr lang="pl-PL" dirty="0"/>
+              <a:t>Wnioski cd.</a:t>
+            </a:r>
+          </a:p>
+        </p:txBody>
+      </p:sp>
+      <p:sp>
+        <p:nvSpPr>
+          <p:cNvPr id="9" name="Symbol zastępczy zawartości 5"/>
+          <p:cNvSpPr>
+            <a:spLocks noGrp="1"/>
+          </p:cNvSpPr>
+          <p:nvPr>
+            <p:ph idx="1"/>
+          </p:nvPr>
+        </p:nvSpPr>
+        <p:spPr>
+          <a:xfrm>
+            <a:off x="457200" y="1417638"/>
+            <a:ext cx="8229600" cy="4675658"/>
+          </a:xfrm>
+        </p:spPr>
+        <p:txBody>
+          <a:bodyPr>
+            <a:normAutofit/>
+          </a:bodyPr>
+          <a:lstStyle/>
+          <a:p>
+            <a:r>
+              <a:rPr lang="pl-PL" sz="1600" dirty="0"/>
+              <a:t>Pomimo wzrostu ponoszonych wydatków na żywność, w latach 2016-2019 występuje wyraźna tendencja spadkowa ilości spożywanego jedzenia. </a:t>
+            </a:r>
+          </a:p>
+          <a:p>
+            <a:r>
+              <a:rPr lang="pl-PL" sz="1600" dirty="0"/>
+              <a:t>Ludność województw podlaskiego, świętokrzyskiego i zachodniopomorskiego pochłania miesięcznie największe ilości jedzenia (43 kg/os), zaraz za nimi są tereny podległe wojewodom lubelskiemu, pomorskiemu i opolskiemu (42 kg/os).</a:t>
+            </a:r>
+          </a:p>
+          <a:p>
+            <a:r>
+              <a:rPr lang="pl-PL" sz="1600" dirty="0"/>
+              <a:t>Analizując wcześniejsze tabele możemy wysunąć wniosek, że województwami wartymi dalszej analizy pod kątem otwarcia na ich terenach sieci supermarketów spożywczych są: </a:t>
+            </a:r>
+          </a:p>
+          <a:p>
+            <a:pPr lvl="1"/>
+            <a:r>
+              <a:rPr lang="pl-PL" sz="1200" b="1" dirty="0"/>
+              <a:t>zachodniopomorskie, </a:t>
+            </a:r>
+          </a:p>
+          <a:p>
+            <a:pPr lvl="1"/>
+            <a:r>
+              <a:rPr lang="pl-PL" sz="1200" b="1" dirty="0"/>
+              <a:t>pomorskie, </a:t>
+            </a:r>
+          </a:p>
+          <a:p>
+            <a:pPr lvl="1"/>
+            <a:r>
+              <a:rPr lang="pl-PL" sz="1200" b="1" dirty="0"/>
+              <a:t>śląskie, </a:t>
+            </a:r>
+          </a:p>
+          <a:p>
+            <a:pPr lvl="1"/>
+            <a:r>
+              <a:rPr lang="pl-PL" sz="1200" b="1" dirty="0"/>
+              <a:t>mazowieckie, </a:t>
+            </a:r>
+          </a:p>
+          <a:p>
+            <a:pPr lvl="1"/>
+            <a:r>
+              <a:rPr lang="pl-PL" sz="1200" b="1" dirty="0"/>
+              <a:t>dolnośląskie. </a:t>
+            </a:r>
+          </a:p>
+        </p:txBody>
+      </p:sp>
+    </p:spTree>
+    <p:extLst>
+      <p:ext uri="{BB962C8B-B14F-4D97-AF65-F5344CB8AC3E}">
+        <p14:creationId xmlns:p14="http://schemas.microsoft.com/office/powerpoint/2010/main" val="2336774278"/>
+      </p:ext>
+    </p:extLst>
+  </p:cSld>
+  <p:clrMapOvr>
+    <a:masterClrMapping/>
+  </p:clrMapOvr>
+</p:sld>
+</file>
+
+<file path=ppt/slides/slide12.xml><?xml version="1.0" encoding="utf-8"?>
+<p:sld xmlns:a="http://schemas.openxmlformats.org/drawingml/2006/main" xmlns:r="http://schemas.openxmlformats.org/officeDocument/2006/relationships" xmlns:p="http://schemas.openxmlformats.org/presentationml/2006/main">
+  <p:cSld>
+    <p:spTree>
+      <p:nvGrpSpPr>
+        <p:cNvPr id="1" name=""/>
+        <p:cNvGrpSpPr/>
+        <p:nvPr/>
+      </p:nvGrpSpPr>
+      <p:grpSpPr>
+        <a:xfrm>
+          <a:off x="0" y="0"/>
+          <a:ext cx="0" cy="0"/>
+          <a:chOff x="0" y="0"/>
+          <a:chExt cx="0" cy="0"/>
+        </a:xfrm>
+      </p:grpSpPr>
+      <p:pic>
+        <p:nvPicPr>
+          <p:cNvPr id="2" name="Obraz 1"/>
+          <p:cNvPicPr>
+            <a:picLocks noChangeAspect="1"/>
+          </p:cNvPicPr>
+          <p:nvPr/>
+        </p:nvPicPr>
+        <p:blipFill>
+          <a:blip r:embed="rId2"/>
+          <a:stretch>
+            <a:fillRect/>
+          </a:stretch>
+        </p:blipFill>
+        <p:spPr>
+          <a:xfrm>
+            <a:off x="0" y="0"/>
+            <a:ext cx="9144000" cy="6873220"/>
+          </a:xfrm>
+          <a:prstGeom prst="rect">
+            <a:avLst/>
+          </a:prstGeom>
+        </p:spPr>
+      </p:pic>
+      <p:sp>
+        <p:nvSpPr>
+          <p:cNvPr id="8" name="Tytuł 4"/>
+          <p:cNvSpPr>
+            <a:spLocks noGrp="1"/>
+          </p:cNvSpPr>
+          <p:nvPr>
+            <p:ph type="title"/>
+          </p:nvPr>
+        </p:nvSpPr>
+        <p:spPr>
+          <a:xfrm>
+            <a:off x="457200" y="274638"/>
+            <a:ext cx="8229600" cy="1143000"/>
+          </a:xfrm>
+        </p:spPr>
+        <p:txBody>
+          <a:bodyPr/>
+          <a:lstStyle/>
+          <a:p>
+            <a:r>
+              <a:rPr lang="pl-PL" dirty="0"/>
+              <a:t>Bibliografia</a:t>
+            </a:r>
+          </a:p>
+        </p:txBody>
+      </p:sp>
+      <p:sp>
+        <p:nvSpPr>
+          <p:cNvPr id="9" name="Symbol zastępczy zawartości 5"/>
+          <p:cNvSpPr>
+            <a:spLocks noGrp="1"/>
+          </p:cNvSpPr>
+          <p:nvPr>
+            <p:ph idx="1"/>
+          </p:nvPr>
+        </p:nvSpPr>
+        <p:spPr>
+          <a:xfrm>
+            <a:off x="457200" y="1514098"/>
+            <a:ext cx="8229600" cy="3845024"/>
+          </a:xfrm>
+        </p:spPr>
+        <p:txBody>
+          <a:bodyPr>
+            <a:normAutofit/>
+          </a:bodyPr>
+          <a:lstStyle/>
+          <a:p>
+            <a:r>
+              <a:rPr lang="pl-PL" sz="1600" dirty="0">
+                <a:hlinkClick r:id="rId3"/>
+              </a:rPr>
+              <a:t>https://riak.com/</a:t>
+            </a:r>
+            <a:endParaRPr lang="pl-PL" sz="1600" dirty="0"/>
+          </a:p>
+          <a:p>
+            <a:r>
+              <a:rPr lang="pl-PL" sz="1600" dirty="0">
+                <a:hlinkClick r:id="rId4"/>
+              </a:rPr>
+              <a:t>https://en.wikipedia.org/wiki/Riak</a:t>
+            </a:r>
+            <a:endParaRPr lang="pl-PL" sz="1600" dirty="0"/>
+          </a:p>
+          <a:p>
+            <a:r>
+              <a:rPr lang="pl-PL" sz="1600" dirty="0">
+                <a:hlinkClick r:id="rId5"/>
+              </a:rPr>
+              <a:t>https://www.dbjournal.ro/archive/22/22_1.pdf</a:t>
+            </a:r>
+            <a:endParaRPr lang="pl-PL" sz="1600" dirty="0"/>
+          </a:p>
+          <a:p>
+            <a:r>
+              <a:rPr lang="pl-PL" sz="1600" dirty="0">
+                <a:hlinkClick r:id="rId6"/>
+              </a:rPr>
+              <a:t>https://b2bnetwork.pl/zwiazek-bez-relacji-nierelacyjne-bazy-danych-cz-2/</a:t>
+            </a:r>
+            <a:endParaRPr lang="pl-PL" sz="1600" dirty="0"/>
+          </a:p>
+          <a:p>
+            <a:endParaRPr lang="pl-PL" sz="1600" dirty="0"/>
+          </a:p>
+        </p:txBody>
+      </p:sp>
+    </p:spTree>
+    <p:extLst>
+      <p:ext uri="{BB962C8B-B14F-4D97-AF65-F5344CB8AC3E}">
+        <p14:creationId xmlns:p14="http://schemas.microsoft.com/office/powerpoint/2010/main" val="12189321"/>
+      </p:ext>
+    </p:extLst>
+  </p:cSld>
+  <p:clrMapOvr>
+    <a:masterClrMapping/>
+  </p:clrMapOvr>
+</p:sld>
+</file>
+
 <file path=ppt/slides/slide2.xml><?xml version="1.0" encoding="utf-8"?>
 <p:sld xmlns:a="http://schemas.openxmlformats.org/drawingml/2006/main" xmlns:r="http://schemas.openxmlformats.org/officeDocument/2006/relationships" xmlns:p="http://schemas.openxmlformats.org/presentationml/2006/main">
   <p:cSld>
@@ -4579,45 +5092,53 @@
           </a:p>
         </p:txBody>
       </p:sp>
-      <p:sp>
-        <p:nvSpPr>
-          <p:cNvPr id="9" name="Symbol zastępczy zawartości 5"/>
-          <p:cNvSpPr>
-            <a:spLocks noGrp="1"/>
-          </p:cNvSpPr>
+      <p:pic>
+        <p:nvPicPr>
+          <p:cNvPr id="1026" name="Picture 2">
+            <a:extLst>
+              <a:ext uri="{FF2B5EF4-FFF2-40B4-BE49-F238E27FC236}">
+                <a16:creationId xmlns:a16="http://schemas.microsoft.com/office/drawing/2014/main" id="{3D3AE140-7080-AAC4-339B-2B41CC7AC497}"/>
+              </a:ext>
+            </a:extLst>
+          </p:cNvPr>
+          <p:cNvPicPr>
+            <a:picLocks noGrp="1" noChangeAspect="1" noChangeArrowheads="1"/>
+          </p:cNvPicPr>
           <p:nvPr>
             <p:ph idx="1"/>
           </p:nvPr>
-        </p:nvSpPr>
-        <p:spPr>
+        </p:nvPicPr>
+        <p:blipFill rotWithShape="1">
+          <a:blip r:embed="rId3">
+            <a:extLst>
+              <a:ext uri="{28A0092B-C50C-407E-A947-70E740481C1C}">
+                <a14:useLocalDpi xmlns:a14="http://schemas.microsoft.com/office/drawing/2010/main" val="0"/>
+              </a:ext>
+            </a:extLst>
+          </a:blip>
+          <a:srcRect t="3676" r="15001" b="3794"/>
+          <a:stretch/>
+        </p:blipFill>
+        <p:spPr bwMode="auto">
           <a:xfrm>
-            <a:off x="457200" y="1417638"/>
-            <a:ext cx="8229600" cy="4675658"/>
+            <a:off x="0" y="1417638"/>
+            <a:ext cx="9144000" cy="4424046"/>
           </a:xfrm>
+          <a:prstGeom prst="rect">
+            <a:avLst/>
+          </a:prstGeom>
+          <a:noFill/>
+          <a:extLst>
+            <a:ext uri="{909E8E84-426E-40DD-AFC4-6F175D3DCCD1}">
+              <a14:hiddenFill xmlns:a14="http://schemas.microsoft.com/office/drawing/2010/main">
+                <a:solidFill>
+                  <a:srgbClr val="FFFFFF"/>
+                </a:solidFill>
+              </a14:hiddenFill>
+            </a:ext>
+          </a:extLst>
         </p:spPr>
-        <p:txBody>
-          <a:bodyPr>
-            <a:normAutofit/>
-          </a:bodyPr>
-          <a:lstStyle/>
-          <a:p>
-            <a:pPr marL="0" indent="0">
-              <a:buNone/>
-            </a:pPr>
-            <a:r>
-              <a:rPr lang="pl-PL" sz="2400" b="1" dirty="0"/>
-              <a:t>Metodologia pracy:</a:t>
-            </a:r>
-          </a:p>
-          <a:p>
-            <a:r>
-              <a:rPr lang="pl-PL" sz="1900" dirty="0"/>
-              <a:t>?</a:t>
-            </a:r>
-            <a:endParaRPr lang="pl-PL" sz="1400" dirty="0"/>
-          </a:p>
-        </p:txBody>
-      </p:sp>
+      </p:pic>
     </p:spTree>
     <p:extLst>
       <p:ext uri="{BB962C8B-B14F-4D97-AF65-F5344CB8AC3E}">
@@ -4694,48 +5215,62 @@
           <a:p>
             <a:r>
               <a:rPr lang="pl-PL" dirty="0"/>
-              <a:t>Wnioski</a:t>
-            </a:r>
-          </a:p>
-        </p:txBody>
-      </p:sp>
-      <p:sp>
-        <p:nvSpPr>
-          <p:cNvPr id="9" name="Symbol zastępczy zawartości 5"/>
-          <p:cNvSpPr>
-            <a:spLocks noGrp="1"/>
-          </p:cNvSpPr>
+              <a:t>Projekt grupowy cd.</a:t>
+            </a:r>
+          </a:p>
+        </p:txBody>
+      </p:sp>
+      <p:pic>
+        <p:nvPicPr>
+          <p:cNvPr id="4098" name="Picture 2">
+            <a:extLst>
+              <a:ext uri="{FF2B5EF4-FFF2-40B4-BE49-F238E27FC236}">
+                <a16:creationId xmlns:a16="http://schemas.microsoft.com/office/drawing/2014/main" id="{272BE097-12E7-24D0-EAFE-FCBB02C87F65}"/>
+              </a:ext>
+            </a:extLst>
+          </p:cNvPr>
+          <p:cNvPicPr>
+            <a:picLocks noGrp="1" noChangeAspect="1" noChangeArrowheads="1"/>
+          </p:cNvPicPr>
           <p:nvPr>
             <p:ph idx="1"/>
           </p:nvPr>
-        </p:nvSpPr>
-        <p:spPr>
+        </p:nvPicPr>
+        <p:blipFill rotWithShape="1">
+          <a:blip r:embed="rId3">
+            <a:extLst>
+              <a:ext uri="{28A0092B-C50C-407E-A947-70E740481C1C}">
+                <a14:useLocalDpi xmlns:a14="http://schemas.microsoft.com/office/drawing/2010/main" val="0"/>
+              </a:ext>
+            </a:extLst>
+          </a:blip>
+          <a:srcRect t="4661" r="15001" b="4778"/>
+          <a:stretch/>
+        </p:blipFill>
+        <p:spPr bwMode="auto">
           <a:xfrm>
-            <a:off x="457200" y="1417638"/>
-            <a:ext cx="8229600" cy="4675658"/>
+            <a:off x="0" y="1415356"/>
+            <a:ext cx="9152304" cy="4461916"/>
           </a:xfrm>
+          <a:prstGeom prst="rect">
+            <a:avLst/>
+          </a:prstGeom>
+          <a:noFill/>
+          <a:extLst>
+            <a:ext uri="{909E8E84-426E-40DD-AFC4-6F175D3DCCD1}">
+              <a14:hiddenFill xmlns:a14="http://schemas.microsoft.com/office/drawing/2010/main">
+                <a:solidFill>
+                  <a:srgbClr val="FFFFFF"/>
+                </a:solidFill>
+              </a14:hiddenFill>
+            </a:ext>
+          </a:extLst>
         </p:spPr>
-        <p:txBody>
-          <a:bodyPr>
-            <a:normAutofit/>
-          </a:bodyPr>
-          <a:lstStyle/>
-          <a:p>
-            <a:pPr marL="0" indent="0">
-              <a:buNone/>
-            </a:pPr>
-            <a:r>
-              <a:rPr lang="pl-PL" sz="2400" b="1" dirty="0"/>
-              <a:t>Wnioski</a:t>
-            </a:r>
-            <a:endParaRPr lang="pl-PL" sz="1400" dirty="0"/>
-          </a:p>
-        </p:txBody>
-      </p:sp>
+      </p:pic>
     </p:spTree>
     <p:extLst>
       <p:ext uri="{BB962C8B-B14F-4D97-AF65-F5344CB8AC3E}">
-        <p14:creationId xmlns:p14="http://schemas.microsoft.com/office/powerpoint/2010/main" val="1745237146"/>
+        <p14:creationId xmlns:p14="http://schemas.microsoft.com/office/powerpoint/2010/main" val="397165302"/>
       </p:ext>
     </p:extLst>
   </p:cSld>
@@ -4808,77 +5343,62 @@
           <a:p>
             <a:r>
               <a:rPr lang="pl-PL" dirty="0"/>
-              <a:t>Bibliografia</a:t>
-            </a:r>
-          </a:p>
-        </p:txBody>
-      </p:sp>
-      <p:sp>
-        <p:nvSpPr>
-          <p:cNvPr id="9" name="Symbol zastępczy zawartości 5"/>
-          <p:cNvSpPr>
-            <a:spLocks noGrp="1"/>
-          </p:cNvSpPr>
+              <a:t>Projekt grupowy cd.</a:t>
+            </a:r>
+          </a:p>
+        </p:txBody>
+      </p:sp>
+      <p:pic>
+        <p:nvPicPr>
+          <p:cNvPr id="3076" name="Picture 4">
+            <a:extLst>
+              <a:ext uri="{FF2B5EF4-FFF2-40B4-BE49-F238E27FC236}">
+                <a16:creationId xmlns:a16="http://schemas.microsoft.com/office/drawing/2014/main" id="{9893EE5B-535A-0990-38CA-7800C36C7501}"/>
+              </a:ext>
+            </a:extLst>
+          </p:cNvPr>
+          <p:cNvPicPr>
+            <a:picLocks noGrp="1" noChangeAspect="1" noChangeArrowheads="1"/>
+          </p:cNvPicPr>
           <p:nvPr>
             <p:ph idx="1"/>
           </p:nvPr>
-        </p:nvSpPr>
-        <p:spPr>
+        </p:nvPicPr>
+        <p:blipFill rotWithShape="1">
+          <a:blip r:embed="rId3">
+            <a:extLst>
+              <a:ext uri="{28A0092B-C50C-407E-A947-70E740481C1C}">
+                <a14:useLocalDpi xmlns:a14="http://schemas.microsoft.com/office/drawing/2010/main" val="0"/>
+              </a:ext>
+            </a:extLst>
+          </a:blip>
+          <a:srcRect t="6630" r="16751" b="4778"/>
+          <a:stretch/>
+        </p:blipFill>
+        <p:spPr bwMode="auto">
           <a:xfrm>
-            <a:off x="457200" y="1514098"/>
-            <a:ext cx="8229600" cy="3845024"/>
+            <a:off x="-3473" y="1449661"/>
+            <a:ext cx="9144000" cy="4427611"/>
           </a:xfrm>
+          <a:prstGeom prst="rect">
+            <a:avLst/>
+          </a:prstGeom>
+          <a:noFill/>
+          <a:extLst>
+            <a:ext uri="{909E8E84-426E-40DD-AFC4-6F175D3DCCD1}">
+              <a14:hiddenFill xmlns:a14="http://schemas.microsoft.com/office/drawing/2010/main">
+                <a:solidFill>
+                  <a:srgbClr val="FFFFFF"/>
+                </a:solidFill>
+              </a14:hiddenFill>
+            </a:ext>
+          </a:extLst>
         </p:spPr>
-        <p:txBody>
-          <a:bodyPr>
-            <a:normAutofit/>
-          </a:bodyPr>
-          <a:lstStyle/>
-          <a:p>
-            <a:r>
-              <a:rPr lang="pl-PL" sz="1600" dirty="0">
-                <a:hlinkClick r:id="rId3"/>
-              </a:rPr>
-              <a:t>https://riak.com/</a:t>
-            </a:r>
-            <a:endParaRPr lang="pl-PL" sz="1600" dirty="0"/>
-          </a:p>
-          <a:p>
-            <a:r>
-              <a:rPr lang="pl-PL" sz="1600" dirty="0">
-                <a:hlinkClick r:id="rId4"/>
-              </a:rPr>
-              <a:t>https://en.wikipedia.org/wiki/Riak</a:t>
-            </a:r>
-            <a:endParaRPr lang="pl-PL" sz="1600" dirty="0"/>
-          </a:p>
-          <a:p>
-            <a:r>
-              <a:rPr lang="pl-PL" sz="1600" dirty="0">
-                <a:hlinkClick r:id="rId5"/>
-              </a:rPr>
-              <a:t>https://www.dbjournal.ro/archive/22/22_1.pdf</a:t>
-            </a:r>
-            <a:endParaRPr lang="pl-PL" sz="1600" dirty="0"/>
-          </a:p>
-          <a:p>
-            <a:r>
-              <a:rPr lang="pl-PL" sz="1600" dirty="0">
-                <a:hlinkClick r:id="rId6"/>
-              </a:rPr>
-              <a:t>https://b2bnetwork.pl/zwiazek-bez-relacji-nierelacyjne-bazy-danych-cz-2/</a:t>
-            </a:r>
-            <a:endParaRPr lang="pl-PL" sz="1600" dirty="0"/>
-          </a:p>
-          <a:p>
-            <a:endParaRPr lang="pl-PL" sz="1600" dirty="0"/>
-          </a:p>
-        </p:txBody>
-      </p:sp>
+      </p:pic>
     </p:spTree>
     <p:extLst>
       <p:ext uri="{BB962C8B-B14F-4D97-AF65-F5344CB8AC3E}">
-        <p14:creationId xmlns:p14="http://schemas.microsoft.com/office/powerpoint/2010/main" val="12189321"/>
+        <p14:creationId xmlns:p14="http://schemas.microsoft.com/office/powerpoint/2010/main" val="4063766726"/>
       </p:ext>
     </p:extLst>
   </p:cSld>

--- a/Riak_BGD.pptx
+++ b/Riak_BGD.pptx
@@ -12,11 +12,13 @@
     <p:sldId id="268" r:id="rId9"/>
     <p:sldId id="271" r:id="rId10"/>
     <p:sldId id="272" r:id="rId11"/>
-    <p:sldId id="275" r:id="rId12"/>
-    <p:sldId id="274" r:id="rId13"/>
-    <p:sldId id="273" r:id="rId14"/>
-    <p:sldId id="276" r:id="rId15"/>
-    <p:sldId id="265" r:id="rId16"/>
+    <p:sldId id="277" r:id="rId12"/>
+    <p:sldId id="275" r:id="rId13"/>
+    <p:sldId id="278" r:id="rId14"/>
+    <p:sldId id="274" r:id="rId15"/>
+    <p:sldId id="279" r:id="rId16"/>
+    <p:sldId id="276" r:id="rId17"/>
+    <p:sldId id="265" r:id="rId18"/>
   </p:sldIdLst>
   <p:sldSz cx="9144000" cy="6858000" type="screen4x3"/>
   <p:notesSz cx="6858000" cy="9144000"/>
@@ -3137,13 +3139,13 @@
         </p:nvSpPr>
         <p:spPr>
           <a:xfrm>
-            <a:off x="575556" y="1988840"/>
+            <a:off x="575556" y="1340768"/>
             <a:ext cx="7992888" cy="2448272"/>
           </a:xfrm>
         </p:spPr>
         <p:txBody>
           <a:bodyPr>
-            <a:normAutofit/>
+            <a:normAutofit fontScale="90000"/>
           </a:bodyPr>
           <a:lstStyle/>
           <a:p>
@@ -3176,7 +3178,25 @@
               </a:rPr>
               <a:t> i jej zastosowanie w projekcie grupowym</a:t>
             </a:r>
-            <a:endParaRPr lang="pl-PL" dirty="0"/>
+            <a:br>
+              <a:rPr lang="pl-PL" sz="3100" dirty="0">
+                <a:cs typeface="Arial" pitchFamily="34" charset="0"/>
+              </a:rPr>
+            </a:br>
+            <a:r>
+              <a:rPr lang="pl-PL" sz="1600" dirty="0">
+                <a:cs typeface="Arial" pitchFamily="34" charset="0"/>
+              </a:rPr>
+              <a:t>Repozytorium projektu: </a:t>
+            </a:r>
+            <a:r>
+              <a:rPr lang="pl-PL" sz="1600" dirty="0">
+                <a:cs typeface="Arial" pitchFamily="34" charset="0"/>
+                <a:hlinkClick r:id="rId3"/>
+              </a:rPr>
+              <a:t>https://github.com/PoVerGrr/BGD-Projekt</a:t>
+            </a:r>
+            <a:endParaRPr lang="pl-PL" sz="1600" dirty="0"/>
           </a:p>
         </p:txBody>
       </p:sp>
@@ -3314,13 +3334,16 @@
           </a:xfrm>
         </p:spPr>
         <p:txBody>
-          <a:bodyPr/>
-          <a:lstStyle/>
-          <a:p>
-            <a:r>
-              <a:rPr lang="pl-PL" dirty="0"/>
-              <a:t>Wnioski</a:t>
-            </a:r>
+          <a:bodyPr>
+            <a:normAutofit fontScale="90000"/>
+          </a:bodyPr>
+          <a:lstStyle/>
+          <a:p>
+            <a:r>
+              <a:rPr lang="pl-PL" sz="4400" dirty="0"/>
+              <a:t>Średnie miesięczne wydatki na żywność</a:t>
+            </a:r>
+            <a:endParaRPr lang="pl-PL" dirty="0"/>
           </a:p>
         </p:txBody>
       </p:sp>
@@ -3348,59 +3371,6 @@
           <a:p>
             <a:r>
               <a:rPr lang="pl-PL" sz="1600" dirty="0"/>
-              <a:t>Średnie miesięczne wydatki ogólne rosły w latach 2016-2019 natomiast w roku 2020 spadły. </a:t>
-            </a:r>
-          </a:p>
-          <a:p>
-            <a:r>
-              <a:rPr lang="pl-PL" sz="1600" dirty="0"/>
-              <a:t>Najwięcej pieniędzy w latach 2019-2020 roku wydali mieszkańcy województw odpowiednio:</a:t>
-            </a:r>
-          </a:p>
-          <a:p>
-            <a:pPr lvl="1"/>
-            <a:r>
-              <a:rPr lang="pl-PL" sz="1200" dirty="0"/>
-              <a:t>mazowieckiego(1443.01 zł/os), </a:t>
-            </a:r>
-          </a:p>
-          <a:p>
-            <a:pPr lvl="1"/>
-            <a:r>
-              <a:rPr lang="pl-PL" sz="1200" dirty="0"/>
-              <a:t>dolnośląskiego (1355.29 zł/os), </a:t>
-            </a:r>
-          </a:p>
-          <a:p>
-            <a:pPr lvl="1"/>
-            <a:r>
-              <a:rPr lang="pl-PL" sz="1200" dirty="0"/>
-              <a:t>pomorskiego (1328.72 zł/os), </a:t>
-            </a:r>
-          </a:p>
-          <a:p>
-            <a:pPr lvl="1"/>
-            <a:r>
-              <a:rPr lang="pl-PL" sz="1200" dirty="0"/>
-              <a:t>opolskiego (1287.33 zł/os),</a:t>
-            </a:r>
-          </a:p>
-          <a:p>
-            <a:pPr lvl="1"/>
-            <a:r>
-              <a:rPr lang="pl-PL" sz="1200" dirty="0"/>
-              <a:t>śląskiego (1270.85 zł/os). </a:t>
-            </a:r>
-          </a:p>
-          <a:p>
-            <a:r>
-              <a:rPr lang="pl-PL" sz="1600" dirty="0"/>
-              <a:t>Oczywistym wyjaśnieniem przyczyny spadku miesięcznych wydatków w 2020 roku jest wybuch w Polsce pandemii Covid-19 w marcu 2020 r.</a:t>
-            </a:r>
-          </a:p>
-          <a:p>
-            <a:r>
-              <a:rPr lang="pl-PL" sz="1600" dirty="0"/>
               <a:t>Wydatki ponoszone na samą żywność rosły niemal każdego roku, we wszystkich województwach.</a:t>
             </a:r>
           </a:p>
@@ -3450,13 +3420,22 @@
               <a:rPr lang="pl-PL" sz="1600" dirty="0"/>
               <a:t>Najmniej na jedzenie wydały osoby mieszkające na podkarpaciu (306.16 zł/os).</a:t>
             </a:r>
+          </a:p>
+          <a:p>
+            <a:r>
+              <a:rPr lang="pl-PL" sz="1600" dirty="0"/>
+              <a:t>Pomimo wzrostu ponoszonych wydatków na żywność, w latach 2016-2019 występuje wyraźna tendencja spadkowa ilości spożywanego jedzenia. </a:t>
+            </a:r>
+          </a:p>
+          <a:p>
+            <a:endParaRPr lang="pl-PL" sz="1600" dirty="0"/>
           </a:p>
         </p:txBody>
       </p:sp>
     </p:spTree>
     <p:extLst>
       <p:ext uri="{BB962C8B-B14F-4D97-AF65-F5344CB8AC3E}">
-        <p14:creationId xmlns:p14="http://schemas.microsoft.com/office/powerpoint/2010/main" val="1745237146"/>
+        <p14:creationId xmlns:p14="http://schemas.microsoft.com/office/powerpoint/2010/main" val="3765544396"/>
       </p:ext>
     </p:extLst>
   </p:cSld>
@@ -3529,7 +3508,137 @@
           <a:p>
             <a:r>
               <a:rPr lang="pl-PL" dirty="0"/>
-              <a:t>Wnioski cd.</a:t>
+              <a:t>Projekt grupowy cd.</a:t>
+            </a:r>
+          </a:p>
+        </p:txBody>
+      </p:sp>
+      <p:pic>
+        <p:nvPicPr>
+          <p:cNvPr id="3076" name="Picture 4">
+            <a:extLst>
+              <a:ext uri="{FF2B5EF4-FFF2-40B4-BE49-F238E27FC236}">
+                <a16:creationId xmlns:a16="http://schemas.microsoft.com/office/drawing/2014/main" id="{9893EE5B-535A-0990-38CA-7800C36C7501}"/>
+              </a:ext>
+            </a:extLst>
+          </p:cNvPr>
+          <p:cNvPicPr>
+            <a:picLocks noGrp="1" noChangeAspect="1" noChangeArrowheads="1"/>
+          </p:cNvPicPr>
+          <p:nvPr>
+            <p:ph idx="1"/>
+          </p:nvPr>
+        </p:nvPicPr>
+        <p:blipFill rotWithShape="1">
+          <a:blip r:embed="rId3">
+            <a:extLst>
+              <a:ext uri="{28A0092B-C50C-407E-A947-70E740481C1C}">
+                <a14:useLocalDpi xmlns:a14="http://schemas.microsoft.com/office/drawing/2010/main" val="0"/>
+              </a:ext>
+            </a:extLst>
+          </a:blip>
+          <a:srcRect t="6630" r="16751" b="4778"/>
+          <a:stretch/>
+        </p:blipFill>
+        <p:spPr bwMode="auto">
+          <a:xfrm>
+            <a:off x="-3473" y="1449661"/>
+            <a:ext cx="9144000" cy="4427611"/>
+          </a:xfrm>
+          <a:prstGeom prst="rect">
+            <a:avLst/>
+          </a:prstGeom>
+          <a:noFill/>
+          <a:extLst>
+            <a:ext uri="{909E8E84-426E-40DD-AFC4-6F175D3DCCD1}">
+              <a14:hiddenFill xmlns:a14="http://schemas.microsoft.com/office/drawing/2010/main">
+                <a:solidFill>
+                  <a:srgbClr val="FFFFFF"/>
+                </a:solidFill>
+              </a14:hiddenFill>
+            </a:ext>
+          </a:extLst>
+        </p:spPr>
+      </p:pic>
+    </p:spTree>
+    <p:extLst>
+      <p:ext uri="{BB962C8B-B14F-4D97-AF65-F5344CB8AC3E}">
+        <p14:creationId xmlns:p14="http://schemas.microsoft.com/office/powerpoint/2010/main" val="4063766726"/>
+      </p:ext>
+    </p:extLst>
+  </p:cSld>
+  <p:clrMapOvr>
+    <a:masterClrMapping/>
+  </p:clrMapOvr>
+</p:sld>
+</file>
+
+<file path=ppt/slides/slide12.xml><?xml version="1.0" encoding="utf-8"?>
+<p:sld xmlns:a="http://schemas.openxmlformats.org/drawingml/2006/main" xmlns:r="http://schemas.openxmlformats.org/officeDocument/2006/relationships" xmlns:p="http://schemas.openxmlformats.org/presentationml/2006/main">
+  <p:cSld>
+    <p:spTree>
+      <p:nvGrpSpPr>
+        <p:cNvPr id="1" name=""/>
+        <p:cNvGrpSpPr/>
+        <p:nvPr/>
+      </p:nvGrpSpPr>
+      <p:grpSpPr>
+        <a:xfrm>
+          <a:off x="0" y="0"/>
+          <a:ext cx="0" cy="0"/>
+          <a:chOff x="0" y="0"/>
+          <a:chExt cx="0" cy="0"/>
+        </a:xfrm>
+      </p:grpSpPr>
+      <p:pic>
+        <p:nvPicPr>
+          <p:cNvPr id="2" name="Obraz 1"/>
+          <p:cNvPicPr>
+            <a:picLocks noChangeAspect="1"/>
+          </p:cNvPicPr>
+          <p:nvPr/>
+        </p:nvPicPr>
+        <p:blipFill>
+          <a:blip r:embed="rId2"/>
+          <a:stretch>
+            <a:fillRect/>
+          </a:stretch>
+        </p:blipFill>
+        <p:spPr>
+          <a:xfrm>
+            <a:off x="0" y="0"/>
+            <a:ext cx="9144000" cy="6873220"/>
+          </a:xfrm>
+          <a:prstGeom prst="rect">
+            <a:avLst/>
+          </a:prstGeom>
+        </p:spPr>
+      </p:pic>
+      <p:sp>
+        <p:nvSpPr>
+          <p:cNvPr id="8" name="Tytuł 4"/>
+          <p:cNvSpPr>
+            <a:spLocks noGrp="1"/>
+          </p:cNvSpPr>
+          <p:nvPr>
+            <p:ph type="title"/>
+          </p:nvPr>
+        </p:nvSpPr>
+        <p:spPr>
+          <a:xfrm>
+            <a:off x="457200" y="476672"/>
+            <a:ext cx="8229600" cy="1143000"/>
+          </a:xfrm>
+        </p:spPr>
+        <p:txBody>
+          <a:bodyPr>
+            <a:normAutofit fontScale="90000"/>
+          </a:bodyPr>
+          <a:lstStyle/>
+          <a:p>
+            <a:r>
+              <a:rPr lang="pl-PL" dirty="0"/>
+              <a:t>Średnia miesięczna ilość spożywanego jedzenia</a:t>
             </a:r>
           </a:p>
         </p:txBody>
@@ -3546,7 +3655,7 @@
         </p:nvSpPr>
         <p:spPr>
           <a:xfrm>
-            <a:off x="457200" y="1417638"/>
+            <a:off x="458490" y="1807600"/>
             <a:ext cx="8229600" cy="4675658"/>
           </a:xfrm>
         </p:spPr>
@@ -3558,15 +3667,113 @@
           <a:p>
             <a:r>
               <a:rPr lang="pl-PL" sz="1600" dirty="0"/>
-              <a:t>Pomimo wzrostu ponoszonych wydatków na żywność, w latach 2016-2019 występuje wyraźna tendencja spadkowa ilości spożywanego jedzenia. </a:t>
-            </a:r>
-          </a:p>
-          <a:p>
-            <a:r>
-              <a:rPr lang="pl-PL" sz="1600" dirty="0"/>
               <a:t>Ludność województw podlaskiego, świętokrzyskiego i zachodniopomorskiego pochłania miesięcznie największe ilości jedzenia (43 kg/os), zaraz za nimi są tereny podległe wojewodom lubelskiemu, pomorskiemu i opolskiemu (42 kg/os).</a:t>
             </a:r>
           </a:p>
+        </p:txBody>
+      </p:sp>
+    </p:spTree>
+    <p:extLst>
+      <p:ext uri="{BB962C8B-B14F-4D97-AF65-F5344CB8AC3E}">
+        <p14:creationId xmlns:p14="http://schemas.microsoft.com/office/powerpoint/2010/main" val="3794887187"/>
+      </p:ext>
+    </p:extLst>
+  </p:cSld>
+  <p:clrMapOvr>
+    <a:masterClrMapping/>
+  </p:clrMapOvr>
+</p:sld>
+</file>
+
+<file path=ppt/slides/slide13.xml><?xml version="1.0" encoding="utf-8"?>
+<p:sld xmlns:a="http://schemas.openxmlformats.org/drawingml/2006/main" xmlns:r="http://schemas.openxmlformats.org/officeDocument/2006/relationships" xmlns:p="http://schemas.openxmlformats.org/presentationml/2006/main">
+  <p:cSld>
+    <p:spTree>
+      <p:nvGrpSpPr>
+        <p:cNvPr id="1" name=""/>
+        <p:cNvGrpSpPr/>
+        <p:nvPr/>
+      </p:nvGrpSpPr>
+      <p:grpSpPr>
+        <a:xfrm>
+          <a:off x="0" y="0"/>
+          <a:ext cx="0" cy="0"/>
+          <a:chOff x="0" y="0"/>
+          <a:chExt cx="0" cy="0"/>
+        </a:xfrm>
+      </p:grpSpPr>
+      <p:pic>
+        <p:nvPicPr>
+          <p:cNvPr id="2" name="Obraz 1"/>
+          <p:cNvPicPr>
+            <a:picLocks noChangeAspect="1"/>
+          </p:cNvPicPr>
+          <p:nvPr/>
+        </p:nvPicPr>
+        <p:blipFill>
+          <a:blip r:embed="rId2"/>
+          <a:stretch>
+            <a:fillRect/>
+          </a:stretch>
+        </p:blipFill>
+        <p:spPr>
+          <a:xfrm>
+            <a:off x="0" y="0"/>
+            <a:ext cx="9144000" cy="6873220"/>
+          </a:xfrm>
+          <a:prstGeom prst="rect">
+            <a:avLst/>
+          </a:prstGeom>
+        </p:spPr>
+      </p:pic>
+      <p:sp>
+        <p:nvSpPr>
+          <p:cNvPr id="8" name="Tytuł 4"/>
+          <p:cNvSpPr>
+            <a:spLocks noGrp="1"/>
+          </p:cNvSpPr>
+          <p:nvPr>
+            <p:ph type="title"/>
+          </p:nvPr>
+        </p:nvSpPr>
+        <p:spPr>
+          <a:xfrm>
+            <a:off x="457200" y="274638"/>
+            <a:ext cx="8229600" cy="1143000"/>
+          </a:xfrm>
+        </p:spPr>
+        <p:txBody>
+          <a:bodyPr/>
+          <a:lstStyle/>
+          <a:p>
+            <a:r>
+              <a:rPr lang="pl-PL" dirty="0"/>
+              <a:t>Wnioski końcowe</a:t>
+            </a:r>
+          </a:p>
+        </p:txBody>
+      </p:sp>
+      <p:sp>
+        <p:nvSpPr>
+          <p:cNvPr id="9" name="Symbol zastępczy zawartości 5"/>
+          <p:cNvSpPr>
+            <a:spLocks noGrp="1"/>
+          </p:cNvSpPr>
+          <p:nvPr>
+            <p:ph idx="1"/>
+          </p:nvPr>
+        </p:nvSpPr>
+        <p:spPr>
+          <a:xfrm>
+            <a:off x="457200" y="1417638"/>
+            <a:ext cx="8229600" cy="4675658"/>
+          </a:xfrm>
+        </p:spPr>
+        <p:txBody>
+          <a:bodyPr>
+            <a:normAutofit/>
+          </a:bodyPr>
+          <a:lstStyle/>
           <a:p>
             <a:r>
               <a:rPr lang="pl-PL" sz="1600" dirty="0"/>
@@ -3576,36 +3783,22 @@
           <a:p>
             <a:pPr lvl="1"/>
             <a:r>
-              <a:rPr lang="pl-PL" sz="1200" b="1" dirty="0"/>
+              <a:rPr lang="pl-PL" sz="1400" b="1" dirty="0"/>
               <a:t>zachodniopomorskie, </a:t>
             </a:r>
           </a:p>
           <a:p>
             <a:pPr lvl="1"/>
             <a:r>
-              <a:rPr lang="pl-PL" sz="1200" b="1" dirty="0"/>
+              <a:rPr lang="pl-PL" sz="1400" b="1" dirty="0"/>
               <a:t>pomorskie, </a:t>
             </a:r>
           </a:p>
           <a:p>
             <a:pPr lvl="1"/>
             <a:r>
-              <a:rPr lang="pl-PL" sz="1200" b="1" dirty="0"/>
-              <a:t>śląskie, </a:t>
-            </a:r>
-          </a:p>
-          <a:p>
-            <a:pPr lvl="1"/>
-            <a:r>
-              <a:rPr lang="pl-PL" sz="1200" b="1" dirty="0"/>
-              <a:t>mazowieckie, </a:t>
-            </a:r>
-          </a:p>
-          <a:p>
-            <a:pPr lvl="1"/>
-            <a:r>
-              <a:rPr lang="pl-PL" sz="1200" b="1" dirty="0"/>
-              <a:t>dolnośląskie. </a:t>
+              <a:rPr lang="pl-PL" sz="1400" b="1" dirty="0"/>
+              <a:t>mazowieckie.</a:t>
             </a:r>
           </a:p>
         </p:txBody>
@@ -3623,7 +3816,7 @@
 </p:sld>
 </file>
 
-<file path=ppt/slides/slide12.xml><?xml version="1.0" encoding="utf-8"?>
+<file path=ppt/slides/slide14.xml><?xml version="1.0" encoding="utf-8"?>
 <p:sld xmlns:a="http://schemas.openxmlformats.org/drawingml/2006/main" xmlns:r="http://schemas.openxmlformats.org/officeDocument/2006/relationships" xmlns:p="http://schemas.openxmlformats.org/presentationml/2006/main">
   <p:cSld>
     <p:spTree>
@@ -5214,63 +5407,93 @@
           <a:lstStyle/>
           <a:p>
             <a:r>
-              <a:rPr lang="pl-PL" dirty="0"/>
-              <a:t>Projekt grupowy cd.</a:t>
-            </a:r>
-          </a:p>
-        </p:txBody>
-      </p:sp>
-      <p:pic>
-        <p:nvPicPr>
-          <p:cNvPr id="4098" name="Picture 2">
-            <a:extLst>
-              <a:ext uri="{FF2B5EF4-FFF2-40B4-BE49-F238E27FC236}">
-                <a16:creationId xmlns:a16="http://schemas.microsoft.com/office/drawing/2014/main" id="{272BE097-12E7-24D0-EAFE-FCBB02C87F65}"/>
-              </a:ext>
-            </a:extLst>
-          </p:cNvPr>
-          <p:cNvPicPr>
-            <a:picLocks noGrp="1" noChangeAspect="1" noChangeArrowheads="1"/>
-          </p:cNvPicPr>
+              <a:rPr lang="pl-PL" sz="4400" dirty="0"/>
+              <a:t>Średnie miesięczne wydatki</a:t>
+            </a:r>
+            <a:endParaRPr lang="pl-PL" dirty="0"/>
+          </a:p>
+        </p:txBody>
+      </p:sp>
+      <p:sp>
+        <p:nvSpPr>
+          <p:cNvPr id="9" name="Symbol zastępczy zawartości 5"/>
+          <p:cNvSpPr>
+            <a:spLocks noGrp="1"/>
+          </p:cNvSpPr>
           <p:nvPr>
             <p:ph idx="1"/>
           </p:nvPr>
-        </p:nvPicPr>
-        <p:blipFill rotWithShape="1">
-          <a:blip r:embed="rId3">
-            <a:extLst>
-              <a:ext uri="{28A0092B-C50C-407E-A947-70E740481C1C}">
-                <a14:useLocalDpi xmlns:a14="http://schemas.microsoft.com/office/drawing/2010/main" val="0"/>
-              </a:ext>
-            </a:extLst>
-          </a:blip>
-          <a:srcRect t="4661" r="15001" b="4778"/>
-          <a:stretch/>
-        </p:blipFill>
-        <p:spPr bwMode="auto">
-          <a:xfrm>
-            <a:off x="0" y="1415356"/>
-            <a:ext cx="9152304" cy="4461916"/>
-          </a:xfrm>
-          <a:prstGeom prst="rect">
-            <a:avLst/>
-          </a:prstGeom>
-          <a:noFill/>
-          <a:extLst>
-            <a:ext uri="{909E8E84-426E-40DD-AFC4-6F175D3DCCD1}">
-              <a14:hiddenFill xmlns:a14="http://schemas.microsoft.com/office/drawing/2010/main">
-                <a:solidFill>
-                  <a:srgbClr val="FFFFFF"/>
-                </a:solidFill>
-              </a14:hiddenFill>
-            </a:ext>
-          </a:extLst>
-        </p:spPr>
-      </p:pic>
+        </p:nvSpPr>
+        <p:spPr>
+          <a:xfrm>
+            <a:off x="457200" y="1417638"/>
+            <a:ext cx="8229600" cy="4675658"/>
+          </a:xfrm>
+        </p:spPr>
+        <p:txBody>
+          <a:bodyPr>
+            <a:normAutofit/>
+          </a:bodyPr>
+          <a:lstStyle/>
+          <a:p>
+            <a:r>
+              <a:rPr lang="pl-PL" sz="1600" dirty="0"/>
+              <a:t>Średnie miesięczne wydatki ogólne rosły w latach 2016-2019 natomiast w roku 2020 spadły. </a:t>
+            </a:r>
+          </a:p>
+          <a:p>
+            <a:r>
+              <a:rPr lang="pl-PL" sz="1600" dirty="0"/>
+              <a:t>Najwięcej pieniędzy w latach 2019-2020 wydali mieszkańcy województw odpowiednio:</a:t>
+            </a:r>
+          </a:p>
+          <a:p>
+            <a:pPr lvl="1"/>
+            <a:r>
+              <a:rPr lang="pl-PL" sz="1200" dirty="0"/>
+              <a:t>mazowieckiego (1443.01 zł/os), </a:t>
+            </a:r>
+          </a:p>
+          <a:p>
+            <a:pPr lvl="1"/>
+            <a:r>
+              <a:rPr lang="pl-PL" sz="1200" dirty="0"/>
+              <a:t>dolnośląskiego (1355.29 zł/os), </a:t>
+            </a:r>
+          </a:p>
+          <a:p>
+            <a:pPr lvl="1"/>
+            <a:r>
+              <a:rPr lang="pl-PL" sz="1200" dirty="0"/>
+              <a:t>pomorskiego (1328.72 zł/os), </a:t>
+            </a:r>
+          </a:p>
+          <a:p>
+            <a:pPr lvl="1"/>
+            <a:r>
+              <a:rPr lang="pl-PL" sz="1200" dirty="0"/>
+              <a:t>opolskiego (1287.33 zł/os),</a:t>
+            </a:r>
+          </a:p>
+          <a:p>
+            <a:pPr lvl="1"/>
+            <a:r>
+              <a:rPr lang="pl-PL" sz="1200" dirty="0"/>
+              <a:t>śląskiego (1270.85 zł/os). </a:t>
+            </a:r>
+          </a:p>
+          <a:p>
+            <a:r>
+              <a:rPr lang="pl-PL" sz="1600" dirty="0"/>
+              <a:t>Oczywistym wyjaśnieniem przyczyny spadku miesięcznych wydatków w 2020 roku jest wybuch w Polsce pandemii Covid-19 w marcu 2020 r.</a:t>
+            </a:r>
+          </a:p>
+        </p:txBody>
+      </p:sp>
     </p:spTree>
     <p:extLst>
       <p:ext uri="{BB962C8B-B14F-4D97-AF65-F5344CB8AC3E}">
-        <p14:creationId xmlns:p14="http://schemas.microsoft.com/office/powerpoint/2010/main" val="397165302"/>
+        <p14:creationId xmlns:p14="http://schemas.microsoft.com/office/powerpoint/2010/main" val="281031454"/>
       </p:ext>
     </p:extLst>
   </p:cSld>
@@ -5350,10 +5573,10 @@
       </p:sp>
       <p:pic>
         <p:nvPicPr>
-          <p:cNvPr id="3076" name="Picture 4">
+          <p:cNvPr id="4098" name="Picture 2">
             <a:extLst>
               <a:ext uri="{FF2B5EF4-FFF2-40B4-BE49-F238E27FC236}">
-                <a16:creationId xmlns:a16="http://schemas.microsoft.com/office/drawing/2014/main" id="{9893EE5B-535A-0990-38CA-7800C36C7501}"/>
+                <a16:creationId xmlns:a16="http://schemas.microsoft.com/office/drawing/2014/main" id="{272BE097-12E7-24D0-EAFE-FCBB02C87F65}"/>
               </a:ext>
             </a:extLst>
           </p:cNvPr>
@@ -5372,13 +5595,13 @@
               </a:ext>
             </a:extLst>
           </a:blip>
-          <a:srcRect t="6630" r="16751" b="4778"/>
+          <a:srcRect t="4661" r="15001" b="4778"/>
           <a:stretch/>
         </p:blipFill>
         <p:spPr bwMode="auto">
           <a:xfrm>
-            <a:off x="-3473" y="1449661"/>
-            <a:ext cx="9144000" cy="4427611"/>
+            <a:off x="0" y="1415356"/>
+            <a:ext cx="9152304" cy="4461916"/>
           </a:xfrm>
           <a:prstGeom prst="rect">
             <a:avLst/>
@@ -5398,7 +5621,7 @@
     </p:spTree>
     <p:extLst>
       <p:ext uri="{BB962C8B-B14F-4D97-AF65-F5344CB8AC3E}">
-        <p14:creationId xmlns:p14="http://schemas.microsoft.com/office/powerpoint/2010/main" val="4063766726"/>
+        <p14:creationId xmlns:p14="http://schemas.microsoft.com/office/powerpoint/2010/main" val="397165302"/>
       </p:ext>
     </p:extLst>
   </p:cSld>
